--- a/Hurley draft.pptx
+++ b/Hurley draft.pptx
@@ -4983,17 +4983,17 @@
           <a:p>
             <a:r>
               <a:rPr lang="en-US" sz="2000" dirty="0"/>
-              <a:t>To sort categories/items by gross margin rate for 2016 and 2017, plot bar graph:</a:t>
+              <a:t>To sort categories/items by gross margin rate for 2016 and 2017, plot line graph:</a:t>
             </a:r>
           </a:p>
         </p:txBody>
       </p:sp>
       <p:pic>
         <p:nvPicPr>
-          <p:cNvPr id="8" name="Content Placeholder 7">
+          <p:cNvPr id="6" name="Content Placeholder 5">
             <a:extLst>
               <a:ext uri="{FF2B5EF4-FFF2-40B4-BE49-F238E27FC236}">
-                <a16:creationId xmlns:a16="http://schemas.microsoft.com/office/drawing/2014/main" id="{B28276D7-CC3C-41B7-A301-B42377CCD62A}"/>
+                <a16:creationId xmlns:a16="http://schemas.microsoft.com/office/drawing/2014/main" id="{105EC23B-BF32-4F5A-AC40-B425A2703543}"/>
               </a:ext>
             </a:extLst>
           </p:cNvPr>
@@ -5012,8 +5012,8 @@
         </p:blipFill>
         <p:spPr>
           <a:xfrm>
-            <a:off x="1371599" y="2497775"/>
-            <a:ext cx="9230139" cy="3499705"/>
+            <a:off x="1371599" y="2425006"/>
+            <a:ext cx="9398967" cy="3990541"/>
           </a:xfrm>
           <a:prstGeom prst="rect">
             <a:avLst/>
@@ -6302,10 +6302,10 @@
       </p:sp>
       <p:pic>
         <p:nvPicPr>
-          <p:cNvPr id="5" name="Content Placeholder 4">
+          <p:cNvPr id="7" name="Content Placeholder 6">
             <a:extLst>
               <a:ext uri="{FF2B5EF4-FFF2-40B4-BE49-F238E27FC236}">
-                <a16:creationId xmlns:a16="http://schemas.microsoft.com/office/drawing/2014/main" id="{8E9D3977-72BC-4138-9D3B-1E5E08689FD2}"/>
+                <a16:creationId xmlns:a16="http://schemas.microsoft.com/office/drawing/2014/main" id="{6FFE98A0-A417-4DCB-915F-2C382501C57E}"/>
               </a:ext>
             </a:extLst>
           </p:cNvPr>
@@ -6324,8 +6324,8 @@
         </p:blipFill>
         <p:spPr>
           <a:xfrm>
-            <a:off x="2531167" y="1548019"/>
-            <a:ext cx="7156172" cy="5124863"/>
+            <a:off x="2213947" y="1428750"/>
+            <a:ext cx="7284013" cy="5249677"/>
           </a:xfrm>
         </p:spPr>
       </p:pic>
